--- a/week1/First Class.pptx
+++ b/week1/First Class.pptx
@@ -15053,48 +15053,7 @@
               <a:rPr lang="it-IT" dirty="0" err="1"/>
               <a:t>them</a:t>
             </a:r>
-            <a:r>
-              <a:rPr lang="it-IT" dirty="0"/>
-              <a:t>.</a:t>
-            </a:r>
-          </a:p>
-          <a:p>
-            <a:r>
-              <a:rPr lang="it-IT" dirty="0"/>
-              <a:t>OR </a:t>
-            </a:r>
-            <a:r>
-              <a:rPr lang="it-IT" dirty="0" err="1"/>
-              <a:t>something</a:t>
-            </a:r>
-            <a:r>
-              <a:rPr lang="it-IT" dirty="0"/>
-              <a:t> else </a:t>
-            </a:r>
-            <a:r>
-              <a:rPr lang="it-IT" dirty="0" err="1"/>
-              <a:t>depending</a:t>
-            </a:r>
-            <a:r>
-              <a:rPr lang="it-IT" dirty="0"/>
-              <a:t> on </a:t>
-            </a:r>
-            <a:r>
-              <a:rPr lang="it-IT" dirty="0" err="1"/>
-              <a:t>what</a:t>
-            </a:r>
-            <a:r>
-              <a:rPr lang="it-IT" dirty="0"/>
-              <a:t> </a:t>
-            </a:r>
-            <a:r>
-              <a:rPr lang="it-IT" dirty="0" err="1"/>
-              <a:t>you</a:t>
-            </a:r>
-            <a:r>
-              <a:rPr lang="it-IT" dirty="0"/>
-              <a:t> study</a:t>
-            </a:r>
+            <a:endParaRPr lang="it-IT" dirty="0"/>
           </a:p>
         </p:txBody>
       </p:sp>
@@ -18010,8 +17969,8 @@
             <a:chExt cx="4080600" cy="1664640"/>
           </a:xfrm>
         </p:grpSpPr>
-        <mc:AlternateContent xmlns:mc="http://schemas.openxmlformats.org/markup-compatibility/2006">
-          <mc:Choice xmlns:p14="http://schemas.microsoft.com/office/powerpoint/2010/main" xmlns:aink="http://schemas.microsoft.com/office/drawing/2016/ink" Requires="p14 aink">
+        <mc:AlternateContent xmlns:mc="http://schemas.openxmlformats.org/markup-compatibility/2006" xmlns:p14="http://schemas.microsoft.com/office/powerpoint/2010/main" xmlns:aink="http://schemas.microsoft.com/office/drawing/2016/ink">
+          <mc:Choice Requires="p14 aink">
             <p:contentPart p14:bwMode="auto" r:id="rId2">
               <p14:nvContentPartPr>
                 <p14:cNvPr id="6" name="Ink 5">
@@ -18030,7 +17989,7 @@
               </p14:xfrm>
             </p:contentPart>
           </mc:Choice>
-          <mc:Fallback>
+          <mc:Fallback xmlns="">
             <p:pic>
               <p:nvPicPr>
                 <p:cNvPr id="6" name="Ink 5">
@@ -18061,8 +18020,8 @@
             </p:pic>
           </mc:Fallback>
         </mc:AlternateContent>
-        <mc:AlternateContent xmlns:mc="http://schemas.openxmlformats.org/markup-compatibility/2006">
-          <mc:Choice xmlns:p14="http://schemas.microsoft.com/office/powerpoint/2010/main" xmlns:aink="http://schemas.microsoft.com/office/drawing/2016/ink" Requires="p14 aink">
+        <mc:AlternateContent xmlns:mc="http://schemas.openxmlformats.org/markup-compatibility/2006" xmlns:p14="http://schemas.microsoft.com/office/powerpoint/2010/main" xmlns:aink="http://schemas.microsoft.com/office/drawing/2016/ink">
+          <mc:Choice Requires="p14 aink">
             <p:contentPart p14:bwMode="auto" r:id="rId4">
               <p14:nvContentPartPr>
                 <p14:cNvPr id="7" name="Ink 6">
@@ -18081,7 +18040,7 @@
               </p14:xfrm>
             </p:contentPart>
           </mc:Choice>
-          <mc:Fallback>
+          <mc:Fallback xmlns="">
             <p:pic>
               <p:nvPicPr>
                 <p:cNvPr id="7" name="Ink 6">
@@ -18112,8 +18071,8 @@
             </p:pic>
           </mc:Fallback>
         </mc:AlternateContent>
-        <mc:AlternateContent xmlns:mc="http://schemas.openxmlformats.org/markup-compatibility/2006">
-          <mc:Choice xmlns:p14="http://schemas.microsoft.com/office/powerpoint/2010/main" xmlns:aink="http://schemas.microsoft.com/office/drawing/2016/ink" Requires="p14 aink">
+        <mc:AlternateContent xmlns:mc="http://schemas.openxmlformats.org/markup-compatibility/2006" xmlns:p14="http://schemas.microsoft.com/office/powerpoint/2010/main" xmlns:aink="http://schemas.microsoft.com/office/drawing/2016/ink">
+          <mc:Choice Requires="p14 aink">
             <p:contentPart p14:bwMode="auto" r:id="rId6">
               <p14:nvContentPartPr>
                 <p14:cNvPr id="8" name="Ink 7">
@@ -18132,7 +18091,7 @@
               </p14:xfrm>
             </p:contentPart>
           </mc:Choice>
-          <mc:Fallback>
+          <mc:Fallback xmlns="">
             <p:pic>
               <p:nvPicPr>
                 <p:cNvPr id="8" name="Ink 7">
@@ -18163,8 +18122,8 @@
             </p:pic>
           </mc:Fallback>
         </mc:AlternateContent>
-        <mc:AlternateContent xmlns:mc="http://schemas.openxmlformats.org/markup-compatibility/2006">
-          <mc:Choice xmlns:p14="http://schemas.microsoft.com/office/powerpoint/2010/main" xmlns:aink="http://schemas.microsoft.com/office/drawing/2016/ink" Requires="p14 aink">
+        <mc:AlternateContent xmlns:mc="http://schemas.openxmlformats.org/markup-compatibility/2006" xmlns:p14="http://schemas.microsoft.com/office/powerpoint/2010/main" xmlns:aink="http://schemas.microsoft.com/office/drawing/2016/ink">
+          <mc:Choice Requires="p14 aink">
             <p:contentPart p14:bwMode="auto" r:id="rId8">
               <p14:nvContentPartPr>
                 <p14:cNvPr id="9" name="Ink 8">
@@ -18183,7 +18142,7 @@
               </p14:xfrm>
             </p:contentPart>
           </mc:Choice>
-          <mc:Fallback>
+          <mc:Fallback xmlns="">
             <p:pic>
               <p:nvPicPr>
                 <p:cNvPr id="9" name="Ink 8">
@@ -18214,8 +18173,8 @@
             </p:pic>
           </mc:Fallback>
         </mc:AlternateContent>
-        <mc:AlternateContent xmlns:mc="http://schemas.openxmlformats.org/markup-compatibility/2006">
-          <mc:Choice xmlns:p14="http://schemas.microsoft.com/office/powerpoint/2010/main" xmlns:aink="http://schemas.microsoft.com/office/drawing/2016/ink" Requires="p14 aink">
+        <mc:AlternateContent xmlns:mc="http://schemas.openxmlformats.org/markup-compatibility/2006" xmlns:p14="http://schemas.microsoft.com/office/powerpoint/2010/main" xmlns:aink="http://schemas.microsoft.com/office/drawing/2016/ink">
+          <mc:Choice Requires="p14 aink">
             <p:contentPart p14:bwMode="auto" r:id="rId10">
               <p14:nvContentPartPr>
                 <p14:cNvPr id="10" name="Ink 9">
@@ -18234,7 +18193,7 @@
               </p14:xfrm>
             </p:contentPart>
           </mc:Choice>
-          <mc:Fallback>
+          <mc:Fallback xmlns="">
             <p:pic>
               <p:nvPicPr>
                 <p:cNvPr id="10" name="Ink 9">
@@ -18265,8 +18224,8 @@
             </p:pic>
           </mc:Fallback>
         </mc:AlternateContent>
-        <mc:AlternateContent xmlns:mc="http://schemas.openxmlformats.org/markup-compatibility/2006">
-          <mc:Choice xmlns:p14="http://schemas.microsoft.com/office/powerpoint/2010/main" xmlns:aink="http://schemas.microsoft.com/office/drawing/2016/ink" Requires="p14 aink">
+        <mc:AlternateContent xmlns:mc="http://schemas.openxmlformats.org/markup-compatibility/2006" xmlns:p14="http://schemas.microsoft.com/office/powerpoint/2010/main" xmlns:aink="http://schemas.microsoft.com/office/drawing/2016/ink">
+          <mc:Choice Requires="p14 aink">
             <p:contentPart p14:bwMode="auto" r:id="rId12">
               <p14:nvContentPartPr>
                 <p14:cNvPr id="11" name="Ink 10">
@@ -18285,7 +18244,7 @@
               </p14:xfrm>
             </p:contentPart>
           </mc:Choice>
-          <mc:Fallback>
+          <mc:Fallback xmlns="">
             <p:pic>
               <p:nvPicPr>
                 <p:cNvPr id="11" name="Ink 10">
@@ -18316,8 +18275,8 @@
             </p:pic>
           </mc:Fallback>
         </mc:AlternateContent>
-        <mc:AlternateContent xmlns:mc="http://schemas.openxmlformats.org/markup-compatibility/2006">
-          <mc:Choice xmlns:p14="http://schemas.microsoft.com/office/powerpoint/2010/main" xmlns:aink="http://schemas.microsoft.com/office/drawing/2016/ink" Requires="p14 aink">
+        <mc:AlternateContent xmlns:mc="http://schemas.openxmlformats.org/markup-compatibility/2006" xmlns:p14="http://schemas.microsoft.com/office/powerpoint/2010/main" xmlns:aink="http://schemas.microsoft.com/office/drawing/2016/ink">
+          <mc:Choice Requires="p14 aink">
             <p:contentPart p14:bwMode="auto" r:id="rId14">
               <p14:nvContentPartPr>
                 <p14:cNvPr id="13" name="Ink 12">
@@ -18336,7 +18295,7 @@
               </p14:xfrm>
             </p:contentPart>
           </mc:Choice>
-          <mc:Fallback>
+          <mc:Fallback xmlns="">
             <p:pic>
               <p:nvPicPr>
                 <p:cNvPr id="13" name="Ink 12">
@@ -18367,8 +18326,8 @@
             </p:pic>
           </mc:Fallback>
         </mc:AlternateContent>
-        <mc:AlternateContent xmlns:mc="http://schemas.openxmlformats.org/markup-compatibility/2006">
-          <mc:Choice xmlns:p14="http://schemas.microsoft.com/office/powerpoint/2010/main" xmlns:aink="http://schemas.microsoft.com/office/drawing/2016/ink" Requires="p14 aink">
+        <mc:AlternateContent xmlns:mc="http://schemas.openxmlformats.org/markup-compatibility/2006" xmlns:p14="http://schemas.microsoft.com/office/powerpoint/2010/main" xmlns:aink="http://schemas.microsoft.com/office/drawing/2016/ink">
+          <mc:Choice Requires="p14 aink">
             <p:contentPart p14:bwMode="auto" r:id="rId16">
               <p14:nvContentPartPr>
                 <p14:cNvPr id="14" name="Ink 13">
@@ -18387,7 +18346,7 @@
               </p14:xfrm>
             </p:contentPart>
           </mc:Choice>
-          <mc:Fallback>
+          <mc:Fallback xmlns="">
             <p:pic>
               <p:nvPicPr>
                 <p:cNvPr id="14" name="Ink 13">
@@ -18418,8 +18377,8 @@
             </p:pic>
           </mc:Fallback>
         </mc:AlternateContent>
-        <mc:AlternateContent xmlns:mc="http://schemas.openxmlformats.org/markup-compatibility/2006">
-          <mc:Choice xmlns:p14="http://schemas.microsoft.com/office/powerpoint/2010/main" xmlns:aink="http://schemas.microsoft.com/office/drawing/2016/ink" Requires="p14 aink">
+        <mc:AlternateContent xmlns:mc="http://schemas.openxmlformats.org/markup-compatibility/2006" xmlns:p14="http://schemas.microsoft.com/office/powerpoint/2010/main" xmlns:aink="http://schemas.microsoft.com/office/drawing/2016/ink">
+          <mc:Choice Requires="p14 aink">
             <p:contentPart p14:bwMode="auto" r:id="rId18">
               <p14:nvContentPartPr>
                 <p14:cNvPr id="16" name="Ink 15">
@@ -18438,7 +18397,7 @@
               </p14:xfrm>
             </p:contentPart>
           </mc:Choice>
-          <mc:Fallback>
+          <mc:Fallback xmlns="">
             <p:pic>
               <p:nvPicPr>
                 <p:cNvPr id="16" name="Ink 15">
@@ -18469,8 +18428,8 @@
             </p:pic>
           </mc:Fallback>
         </mc:AlternateContent>
-        <mc:AlternateContent xmlns:mc="http://schemas.openxmlformats.org/markup-compatibility/2006">
-          <mc:Choice xmlns:p14="http://schemas.microsoft.com/office/powerpoint/2010/main" xmlns:aink="http://schemas.microsoft.com/office/drawing/2016/ink" Requires="p14 aink">
+        <mc:AlternateContent xmlns:mc="http://schemas.openxmlformats.org/markup-compatibility/2006" xmlns:p14="http://schemas.microsoft.com/office/powerpoint/2010/main" xmlns:aink="http://schemas.microsoft.com/office/drawing/2016/ink">
+          <mc:Choice Requires="p14 aink">
             <p:contentPart p14:bwMode="auto" r:id="rId20">
               <p14:nvContentPartPr>
                 <p14:cNvPr id="17" name="Ink 16">
@@ -18489,7 +18448,7 @@
               </p14:xfrm>
             </p:contentPart>
           </mc:Choice>
-          <mc:Fallback>
+          <mc:Fallback xmlns="">
             <p:pic>
               <p:nvPicPr>
                 <p:cNvPr id="17" name="Ink 16">
@@ -18520,8 +18479,8 @@
             </p:pic>
           </mc:Fallback>
         </mc:AlternateContent>
-        <mc:AlternateContent xmlns:mc="http://schemas.openxmlformats.org/markup-compatibility/2006">
-          <mc:Choice xmlns:p14="http://schemas.microsoft.com/office/powerpoint/2010/main" xmlns:aink="http://schemas.microsoft.com/office/drawing/2016/ink" Requires="p14 aink">
+        <mc:AlternateContent xmlns:mc="http://schemas.openxmlformats.org/markup-compatibility/2006" xmlns:p14="http://schemas.microsoft.com/office/powerpoint/2010/main" xmlns:aink="http://schemas.microsoft.com/office/drawing/2016/ink">
+          <mc:Choice Requires="p14 aink">
             <p:contentPart p14:bwMode="auto" r:id="rId22">
               <p14:nvContentPartPr>
                 <p14:cNvPr id="18" name="Ink 17">
@@ -18540,7 +18499,7 @@
               </p14:xfrm>
             </p:contentPart>
           </mc:Choice>
-          <mc:Fallback>
+          <mc:Fallback xmlns="">
             <p:pic>
               <p:nvPicPr>
                 <p:cNvPr id="18" name="Ink 17">
@@ -18571,8 +18530,8 @@
             </p:pic>
           </mc:Fallback>
         </mc:AlternateContent>
-        <mc:AlternateContent xmlns:mc="http://schemas.openxmlformats.org/markup-compatibility/2006">
-          <mc:Choice xmlns:p14="http://schemas.microsoft.com/office/powerpoint/2010/main" xmlns:aink="http://schemas.microsoft.com/office/drawing/2016/ink" Requires="p14 aink">
+        <mc:AlternateContent xmlns:mc="http://schemas.openxmlformats.org/markup-compatibility/2006" xmlns:p14="http://schemas.microsoft.com/office/powerpoint/2010/main" xmlns:aink="http://schemas.microsoft.com/office/drawing/2016/ink">
+          <mc:Choice Requires="p14 aink">
             <p:contentPart p14:bwMode="auto" r:id="rId24">
               <p14:nvContentPartPr>
                 <p14:cNvPr id="19" name="Ink 18">
@@ -18591,7 +18550,7 @@
               </p14:xfrm>
             </p:contentPart>
           </mc:Choice>
-          <mc:Fallback>
+          <mc:Fallback xmlns="">
             <p:pic>
               <p:nvPicPr>
                 <p:cNvPr id="19" name="Ink 18">
@@ -18622,8 +18581,8 @@
             </p:pic>
           </mc:Fallback>
         </mc:AlternateContent>
-        <mc:AlternateContent xmlns:mc="http://schemas.openxmlformats.org/markup-compatibility/2006">
-          <mc:Choice xmlns:p14="http://schemas.microsoft.com/office/powerpoint/2010/main" xmlns:aink="http://schemas.microsoft.com/office/drawing/2016/ink" Requires="p14 aink">
+        <mc:AlternateContent xmlns:mc="http://schemas.openxmlformats.org/markup-compatibility/2006" xmlns:p14="http://schemas.microsoft.com/office/powerpoint/2010/main" xmlns:aink="http://schemas.microsoft.com/office/drawing/2016/ink">
+          <mc:Choice Requires="p14 aink">
             <p:contentPart p14:bwMode="auto" r:id="rId26">
               <p14:nvContentPartPr>
                 <p14:cNvPr id="20" name="Ink 19">
@@ -18642,7 +18601,7 @@
               </p14:xfrm>
             </p:contentPart>
           </mc:Choice>
-          <mc:Fallback>
+          <mc:Fallback xmlns="">
             <p:pic>
               <p:nvPicPr>
                 <p:cNvPr id="20" name="Ink 19">
@@ -18673,8 +18632,8 @@
             </p:pic>
           </mc:Fallback>
         </mc:AlternateContent>
-        <mc:AlternateContent xmlns:mc="http://schemas.openxmlformats.org/markup-compatibility/2006">
-          <mc:Choice xmlns:p14="http://schemas.microsoft.com/office/powerpoint/2010/main" xmlns:aink="http://schemas.microsoft.com/office/drawing/2016/ink" Requires="p14 aink">
+        <mc:AlternateContent xmlns:mc="http://schemas.openxmlformats.org/markup-compatibility/2006" xmlns:p14="http://schemas.microsoft.com/office/powerpoint/2010/main" xmlns:aink="http://schemas.microsoft.com/office/drawing/2016/ink">
+          <mc:Choice Requires="p14 aink">
             <p:contentPart p14:bwMode="auto" r:id="rId28">
               <p14:nvContentPartPr>
                 <p14:cNvPr id="21" name="Ink 20">
@@ -18693,7 +18652,7 @@
               </p14:xfrm>
             </p:contentPart>
           </mc:Choice>
-          <mc:Fallback>
+          <mc:Fallback xmlns="">
             <p:pic>
               <p:nvPicPr>
                 <p:cNvPr id="21" name="Ink 20">
@@ -18724,8 +18683,8 @@
             </p:pic>
           </mc:Fallback>
         </mc:AlternateContent>
-        <mc:AlternateContent xmlns:mc="http://schemas.openxmlformats.org/markup-compatibility/2006">
-          <mc:Choice xmlns:p14="http://schemas.microsoft.com/office/powerpoint/2010/main" xmlns:aink="http://schemas.microsoft.com/office/drawing/2016/ink" Requires="p14 aink">
+        <mc:AlternateContent xmlns:mc="http://schemas.openxmlformats.org/markup-compatibility/2006" xmlns:p14="http://schemas.microsoft.com/office/powerpoint/2010/main" xmlns:aink="http://schemas.microsoft.com/office/drawing/2016/ink">
+          <mc:Choice Requires="p14 aink">
             <p:contentPart p14:bwMode="auto" r:id="rId30">
               <p14:nvContentPartPr>
                 <p14:cNvPr id="23" name="Ink 22">
@@ -18744,7 +18703,7 @@
               </p14:xfrm>
             </p:contentPart>
           </mc:Choice>
-          <mc:Fallback>
+          <mc:Fallback xmlns="">
             <p:pic>
               <p:nvPicPr>
                 <p:cNvPr id="23" name="Ink 22">
@@ -18796,8 +18755,8 @@
             <a:chExt cx="2561040" cy="580320"/>
           </a:xfrm>
         </p:grpSpPr>
-        <mc:AlternateContent xmlns:mc="http://schemas.openxmlformats.org/markup-compatibility/2006">
-          <mc:Choice xmlns:p14="http://schemas.microsoft.com/office/powerpoint/2010/main" xmlns:aink="http://schemas.microsoft.com/office/drawing/2016/ink" Requires="p14 aink">
+        <mc:AlternateContent xmlns:mc="http://schemas.openxmlformats.org/markup-compatibility/2006" xmlns:p14="http://schemas.microsoft.com/office/powerpoint/2010/main" xmlns:aink="http://schemas.microsoft.com/office/drawing/2016/ink">
+          <mc:Choice Requires="p14 aink">
             <p:contentPart p14:bwMode="auto" r:id="rId32">
               <p14:nvContentPartPr>
                 <p14:cNvPr id="25" name="Ink 24">
@@ -18816,7 +18775,7 @@
               </p14:xfrm>
             </p:contentPart>
           </mc:Choice>
-          <mc:Fallback>
+          <mc:Fallback xmlns="">
             <p:pic>
               <p:nvPicPr>
                 <p:cNvPr id="25" name="Ink 24">
@@ -18847,8 +18806,8 @@
             </p:pic>
           </mc:Fallback>
         </mc:AlternateContent>
-        <mc:AlternateContent xmlns:mc="http://schemas.openxmlformats.org/markup-compatibility/2006">
-          <mc:Choice xmlns:p14="http://schemas.microsoft.com/office/powerpoint/2010/main" xmlns:aink="http://schemas.microsoft.com/office/drawing/2016/ink" Requires="p14 aink">
+        <mc:AlternateContent xmlns:mc="http://schemas.openxmlformats.org/markup-compatibility/2006" xmlns:p14="http://schemas.microsoft.com/office/powerpoint/2010/main" xmlns:aink="http://schemas.microsoft.com/office/drawing/2016/ink">
+          <mc:Choice Requires="p14 aink">
             <p:contentPart p14:bwMode="auto" r:id="rId34">
               <p14:nvContentPartPr>
                 <p14:cNvPr id="26" name="Ink 25">
@@ -18867,7 +18826,7 @@
               </p14:xfrm>
             </p:contentPart>
           </mc:Choice>
-          <mc:Fallback>
+          <mc:Fallback xmlns="">
             <p:pic>
               <p:nvPicPr>
                 <p:cNvPr id="26" name="Ink 25">
@@ -18898,8 +18857,8 @@
             </p:pic>
           </mc:Fallback>
         </mc:AlternateContent>
-        <mc:AlternateContent xmlns:mc="http://schemas.openxmlformats.org/markup-compatibility/2006">
-          <mc:Choice xmlns:p14="http://schemas.microsoft.com/office/powerpoint/2010/main" xmlns:aink="http://schemas.microsoft.com/office/drawing/2016/ink" Requires="p14 aink">
+        <mc:AlternateContent xmlns:mc="http://schemas.openxmlformats.org/markup-compatibility/2006" xmlns:p14="http://schemas.microsoft.com/office/powerpoint/2010/main" xmlns:aink="http://schemas.microsoft.com/office/drawing/2016/ink">
+          <mc:Choice Requires="p14 aink">
             <p:contentPart p14:bwMode="auto" r:id="rId36">
               <p14:nvContentPartPr>
                 <p14:cNvPr id="27" name="Ink 26">
@@ -18918,7 +18877,7 @@
               </p14:xfrm>
             </p:contentPart>
           </mc:Choice>
-          <mc:Fallback>
+          <mc:Fallback xmlns="">
             <p:pic>
               <p:nvPicPr>
                 <p:cNvPr id="27" name="Ink 26">
@@ -18949,8 +18908,8 @@
             </p:pic>
           </mc:Fallback>
         </mc:AlternateContent>
-        <mc:AlternateContent xmlns:mc="http://schemas.openxmlformats.org/markup-compatibility/2006">
-          <mc:Choice xmlns:p14="http://schemas.microsoft.com/office/powerpoint/2010/main" xmlns:aink="http://schemas.microsoft.com/office/drawing/2016/ink" Requires="p14 aink">
+        <mc:AlternateContent xmlns:mc="http://schemas.openxmlformats.org/markup-compatibility/2006" xmlns:p14="http://schemas.microsoft.com/office/powerpoint/2010/main" xmlns:aink="http://schemas.microsoft.com/office/drawing/2016/ink">
+          <mc:Choice Requires="p14 aink">
             <p:contentPart p14:bwMode="auto" r:id="rId38">
               <p14:nvContentPartPr>
                 <p14:cNvPr id="28" name="Ink 27">
@@ -18969,7 +18928,7 @@
               </p14:xfrm>
             </p:contentPart>
           </mc:Choice>
-          <mc:Fallback>
+          <mc:Fallback xmlns="">
             <p:pic>
               <p:nvPicPr>
                 <p:cNvPr id="28" name="Ink 27">
@@ -19000,8 +18959,8 @@
             </p:pic>
           </mc:Fallback>
         </mc:AlternateContent>
-        <mc:AlternateContent xmlns:mc="http://schemas.openxmlformats.org/markup-compatibility/2006">
-          <mc:Choice xmlns:p14="http://schemas.microsoft.com/office/powerpoint/2010/main" xmlns:aink="http://schemas.microsoft.com/office/drawing/2016/ink" Requires="p14 aink">
+        <mc:AlternateContent xmlns:mc="http://schemas.openxmlformats.org/markup-compatibility/2006" xmlns:p14="http://schemas.microsoft.com/office/powerpoint/2010/main" xmlns:aink="http://schemas.microsoft.com/office/drawing/2016/ink">
+          <mc:Choice Requires="p14 aink">
             <p:contentPart p14:bwMode="auto" r:id="rId40">
               <p14:nvContentPartPr>
                 <p14:cNvPr id="29" name="Ink 28">
@@ -19020,7 +18979,7 @@
               </p14:xfrm>
             </p:contentPart>
           </mc:Choice>
-          <mc:Fallback>
+          <mc:Fallback xmlns="">
             <p:pic>
               <p:nvPicPr>
                 <p:cNvPr id="29" name="Ink 28">
@@ -19051,8 +19010,8 @@
             </p:pic>
           </mc:Fallback>
         </mc:AlternateContent>
-        <mc:AlternateContent xmlns:mc="http://schemas.openxmlformats.org/markup-compatibility/2006">
-          <mc:Choice xmlns:p14="http://schemas.microsoft.com/office/powerpoint/2010/main" xmlns:aink="http://schemas.microsoft.com/office/drawing/2016/ink" Requires="p14 aink">
+        <mc:AlternateContent xmlns:mc="http://schemas.openxmlformats.org/markup-compatibility/2006" xmlns:p14="http://schemas.microsoft.com/office/powerpoint/2010/main" xmlns:aink="http://schemas.microsoft.com/office/drawing/2016/ink">
+          <mc:Choice Requires="p14 aink">
             <p:contentPart p14:bwMode="auto" r:id="rId42">
               <p14:nvContentPartPr>
                 <p14:cNvPr id="30" name="Ink 29">
@@ -19071,7 +19030,7 @@
               </p14:xfrm>
             </p:contentPart>
           </mc:Choice>
-          <mc:Fallback>
+          <mc:Fallback xmlns="">
             <p:pic>
               <p:nvPicPr>
                 <p:cNvPr id="30" name="Ink 29">
@@ -19102,8 +19061,8 @@
             </p:pic>
           </mc:Fallback>
         </mc:AlternateContent>
-        <mc:AlternateContent xmlns:mc="http://schemas.openxmlformats.org/markup-compatibility/2006">
-          <mc:Choice xmlns:p14="http://schemas.microsoft.com/office/powerpoint/2010/main" xmlns:aink="http://schemas.microsoft.com/office/drawing/2016/ink" Requires="p14 aink">
+        <mc:AlternateContent xmlns:mc="http://schemas.openxmlformats.org/markup-compatibility/2006" xmlns:p14="http://schemas.microsoft.com/office/powerpoint/2010/main" xmlns:aink="http://schemas.microsoft.com/office/drawing/2016/ink">
+          <mc:Choice Requires="p14 aink">
             <p:contentPart p14:bwMode="auto" r:id="rId44">
               <p14:nvContentPartPr>
                 <p14:cNvPr id="31" name="Ink 30">
@@ -19122,7 +19081,7 @@
               </p14:xfrm>
             </p:contentPart>
           </mc:Choice>
-          <mc:Fallback>
+          <mc:Fallback xmlns="">
             <p:pic>
               <p:nvPicPr>
                 <p:cNvPr id="31" name="Ink 30">
@@ -19174,8 +19133,8 @@
             <a:chExt cx="1537200" cy="703800"/>
           </a:xfrm>
         </p:grpSpPr>
-        <mc:AlternateContent xmlns:mc="http://schemas.openxmlformats.org/markup-compatibility/2006">
-          <mc:Choice xmlns:p14="http://schemas.microsoft.com/office/powerpoint/2010/main" xmlns:aink="http://schemas.microsoft.com/office/drawing/2016/ink" Requires="p14 aink">
+        <mc:AlternateContent xmlns:mc="http://schemas.openxmlformats.org/markup-compatibility/2006" xmlns:p14="http://schemas.microsoft.com/office/powerpoint/2010/main" xmlns:aink="http://schemas.microsoft.com/office/drawing/2016/ink">
+          <mc:Choice Requires="p14 aink">
             <p:contentPart p14:bwMode="auto" r:id="rId46">
               <p14:nvContentPartPr>
                 <p14:cNvPr id="32" name="Ink 31">
@@ -19194,7 +19153,7 @@
               </p14:xfrm>
             </p:contentPart>
           </mc:Choice>
-          <mc:Fallback>
+          <mc:Fallback xmlns="">
             <p:pic>
               <p:nvPicPr>
                 <p:cNvPr id="32" name="Ink 31">
@@ -19225,8 +19184,8 @@
             </p:pic>
           </mc:Fallback>
         </mc:AlternateContent>
-        <mc:AlternateContent xmlns:mc="http://schemas.openxmlformats.org/markup-compatibility/2006">
-          <mc:Choice xmlns:p14="http://schemas.microsoft.com/office/powerpoint/2010/main" xmlns:aink="http://schemas.microsoft.com/office/drawing/2016/ink" Requires="p14 aink">
+        <mc:AlternateContent xmlns:mc="http://schemas.openxmlformats.org/markup-compatibility/2006" xmlns:p14="http://schemas.microsoft.com/office/powerpoint/2010/main" xmlns:aink="http://schemas.microsoft.com/office/drawing/2016/ink">
+          <mc:Choice Requires="p14 aink">
             <p:contentPart p14:bwMode="auto" r:id="rId48">
               <p14:nvContentPartPr>
                 <p14:cNvPr id="33" name="Ink 32">
@@ -19245,7 +19204,7 @@
               </p14:xfrm>
             </p:contentPart>
           </mc:Choice>
-          <mc:Fallback>
+          <mc:Fallback xmlns="">
             <p:pic>
               <p:nvPicPr>
                 <p:cNvPr id="33" name="Ink 32">
@@ -19276,8 +19235,8 @@
             </p:pic>
           </mc:Fallback>
         </mc:AlternateContent>
-        <mc:AlternateContent xmlns:mc="http://schemas.openxmlformats.org/markup-compatibility/2006">
-          <mc:Choice xmlns:p14="http://schemas.microsoft.com/office/powerpoint/2010/main" xmlns:aink="http://schemas.microsoft.com/office/drawing/2016/ink" Requires="p14 aink">
+        <mc:AlternateContent xmlns:mc="http://schemas.openxmlformats.org/markup-compatibility/2006" xmlns:p14="http://schemas.microsoft.com/office/powerpoint/2010/main" xmlns:aink="http://schemas.microsoft.com/office/drawing/2016/ink">
+          <mc:Choice Requires="p14 aink">
             <p:contentPart p14:bwMode="auto" r:id="rId50">
               <p14:nvContentPartPr>
                 <p14:cNvPr id="34" name="Ink 33">
@@ -19296,7 +19255,7 @@
               </p14:xfrm>
             </p:contentPart>
           </mc:Choice>
-          <mc:Fallback>
+          <mc:Fallback xmlns="">
             <p:pic>
               <p:nvPicPr>
                 <p:cNvPr id="34" name="Ink 33">
@@ -19327,8 +19286,8 @@
             </p:pic>
           </mc:Fallback>
         </mc:AlternateContent>
-        <mc:AlternateContent xmlns:mc="http://schemas.openxmlformats.org/markup-compatibility/2006">
-          <mc:Choice xmlns:p14="http://schemas.microsoft.com/office/powerpoint/2010/main" xmlns:aink="http://schemas.microsoft.com/office/drawing/2016/ink" Requires="p14 aink">
+        <mc:AlternateContent xmlns:mc="http://schemas.openxmlformats.org/markup-compatibility/2006" xmlns:p14="http://schemas.microsoft.com/office/powerpoint/2010/main" xmlns:aink="http://schemas.microsoft.com/office/drawing/2016/ink">
+          <mc:Choice Requires="p14 aink">
             <p:contentPart p14:bwMode="auto" r:id="rId52">
               <p14:nvContentPartPr>
                 <p14:cNvPr id="37" name="Ink 36">
@@ -19347,7 +19306,7 @@
               </p14:xfrm>
             </p:contentPart>
           </mc:Choice>
-          <mc:Fallback>
+          <mc:Fallback xmlns="">
             <p:pic>
               <p:nvPicPr>
                 <p:cNvPr id="37" name="Ink 36">
@@ -19378,8 +19337,8 @@
             </p:pic>
           </mc:Fallback>
         </mc:AlternateContent>
-        <mc:AlternateContent xmlns:mc="http://schemas.openxmlformats.org/markup-compatibility/2006">
-          <mc:Choice xmlns:p14="http://schemas.microsoft.com/office/powerpoint/2010/main" xmlns:aink="http://schemas.microsoft.com/office/drawing/2016/ink" Requires="p14 aink">
+        <mc:AlternateContent xmlns:mc="http://schemas.openxmlformats.org/markup-compatibility/2006" xmlns:p14="http://schemas.microsoft.com/office/powerpoint/2010/main" xmlns:aink="http://schemas.microsoft.com/office/drawing/2016/ink">
+          <mc:Choice Requires="p14 aink">
             <p:contentPart p14:bwMode="auto" r:id="rId54">
               <p14:nvContentPartPr>
                 <p14:cNvPr id="38" name="Ink 37">
@@ -19398,7 +19357,7 @@
               </p14:xfrm>
             </p:contentPart>
           </mc:Choice>
-          <mc:Fallback>
+          <mc:Fallback xmlns="">
             <p:pic>
               <p:nvPicPr>
                 <p:cNvPr id="38" name="Ink 37">
@@ -19429,8 +19388,8 @@
             </p:pic>
           </mc:Fallback>
         </mc:AlternateContent>
-        <mc:AlternateContent xmlns:mc="http://schemas.openxmlformats.org/markup-compatibility/2006">
-          <mc:Choice xmlns:p14="http://schemas.microsoft.com/office/powerpoint/2010/main" xmlns:aink="http://schemas.microsoft.com/office/drawing/2016/ink" Requires="p14 aink">
+        <mc:AlternateContent xmlns:mc="http://schemas.openxmlformats.org/markup-compatibility/2006" xmlns:p14="http://schemas.microsoft.com/office/powerpoint/2010/main" xmlns:aink="http://schemas.microsoft.com/office/drawing/2016/ink">
+          <mc:Choice Requires="p14 aink">
             <p:contentPart p14:bwMode="auto" r:id="rId56">
               <p14:nvContentPartPr>
                 <p14:cNvPr id="39" name="Ink 38">
@@ -19449,7 +19408,7 @@
               </p14:xfrm>
             </p:contentPart>
           </mc:Choice>
-          <mc:Fallback>
+          <mc:Fallback xmlns="">
             <p:pic>
               <p:nvPicPr>
                 <p:cNvPr id="39" name="Ink 38">
@@ -19480,8 +19439,8 @@
             </p:pic>
           </mc:Fallback>
         </mc:AlternateContent>
-        <mc:AlternateContent xmlns:mc="http://schemas.openxmlformats.org/markup-compatibility/2006">
-          <mc:Choice xmlns:p14="http://schemas.microsoft.com/office/powerpoint/2010/main" xmlns:aink="http://schemas.microsoft.com/office/drawing/2016/ink" Requires="p14 aink">
+        <mc:AlternateContent xmlns:mc="http://schemas.openxmlformats.org/markup-compatibility/2006" xmlns:p14="http://schemas.microsoft.com/office/powerpoint/2010/main" xmlns:aink="http://schemas.microsoft.com/office/drawing/2016/ink">
+          <mc:Choice Requires="p14 aink">
             <p:contentPart p14:bwMode="auto" r:id="rId58">
               <p14:nvContentPartPr>
                 <p14:cNvPr id="40" name="Ink 39">
@@ -19500,7 +19459,7 @@
               </p14:xfrm>
             </p:contentPart>
           </mc:Choice>
-          <mc:Fallback>
+          <mc:Fallback xmlns="">
             <p:pic>
               <p:nvPicPr>
                 <p:cNvPr id="40" name="Ink 39">
@@ -19531,8 +19490,8 @@
             </p:pic>
           </mc:Fallback>
         </mc:AlternateContent>
-        <mc:AlternateContent xmlns:mc="http://schemas.openxmlformats.org/markup-compatibility/2006">
-          <mc:Choice xmlns:p14="http://schemas.microsoft.com/office/powerpoint/2010/main" xmlns:aink="http://schemas.microsoft.com/office/drawing/2016/ink" Requires="p14 aink">
+        <mc:AlternateContent xmlns:mc="http://schemas.openxmlformats.org/markup-compatibility/2006" xmlns:p14="http://schemas.microsoft.com/office/powerpoint/2010/main" xmlns:aink="http://schemas.microsoft.com/office/drawing/2016/ink">
+          <mc:Choice Requires="p14 aink">
             <p:contentPart p14:bwMode="auto" r:id="rId60">
               <p14:nvContentPartPr>
                 <p14:cNvPr id="41" name="Ink 40">
@@ -19551,7 +19510,7 @@
               </p14:xfrm>
             </p:contentPart>
           </mc:Choice>
-          <mc:Fallback>
+          <mc:Fallback xmlns="">
             <p:pic>
               <p:nvPicPr>
                 <p:cNvPr id="41" name="Ink 40">
@@ -19603,8 +19562,8 @@
             <a:chExt cx="3179160" cy="722520"/>
           </a:xfrm>
         </p:grpSpPr>
-        <mc:AlternateContent xmlns:mc="http://schemas.openxmlformats.org/markup-compatibility/2006">
-          <mc:Choice xmlns:p14="http://schemas.microsoft.com/office/powerpoint/2010/main" xmlns:aink="http://schemas.microsoft.com/office/drawing/2016/ink" Requires="p14 aink">
+        <mc:AlternateContent xmlns:mc="http://schemas.openxmlformats.org/markup-compatibility/2006" xmlns:p14="http://schemas.microsoft.com/office/powerpoint/2010/main" xmlns:aink="http://schemas.microsoft.com/office/drawing/2016/ink">
+          <mc:Choice Requires="p14 aink">
             <p:contentPart p14:bwMode="auto" r:id="rId62">
               <p14:nvContentPartPr>
                 <p14:cNvPr id="43" name="Ink 42">
@@ -19623,7 +19582,7 @@
               </p14:xfrm>
             </p:contentPart>
           </mc:Choice>
-          <mc:Fallback>
+          <mc:Fallback xmlns="">
             <p:pic>
               <p:nvPicPr>
                 <p:cNvPr id="43" name="Ink 42">
@@ -19654,8 +19613,8 @@
             </p:pic>
           </mc:Fallback>
         </mc:AlternateContent>
-        <mc:AlternateContent xmlns:mc="http://schemas.openxmlformats.org/markup-compatibility/2006">
-          <mc:Choice xmlns:p14="http://schemas.microsoft.com/office/powerpoint/2010/main" xmlns:aink="http://schemas.microsoft.com/office/drawing/2016/ink" Requires="p14 aink">
+        <mc:AlternateContent xmlns:mc="http://schemas.openxmlformats.org/markup-compatibility/2006" xmlns:p14="http://schemas.microsoft.com/office/powerpoint/2010/main" xmlns:aink="http://schemas.microsoft.com/office/drawing/2016/ink">
+          <mc:Choice Requires="p14 aink">
             <p:contentPart p14:bwMode="auto" r:id="rId64">
               <p14:nvContentPartPr>
                 <p14:cNvPr id="44" name="Ink 43">
@@ -19674,7 +19633,7 @@
               </p14:xfrm>
             </p:contentPart>
           </mc:Choice>
-          <mc:Fallback>
+          <mc:Fallback xmlns="">
             <p:pic>
               <p:nvPicPr>
                 <p:cNvPr id="44" name="Ink 43">
@@ -19705,8 +19664,8 @@
             </p:pic>
           </mc:Fallback>
         </mc:AlternateContent>
-        <mc:AlternateContent xmlns:mc="http://schemas.openxmlformats.org/markup-compatibility/2006">
-          <mc:Choice xmlns:p14="http://schemas.microsoft.com/office/powerpoint/2010/main" xmlns:aink="http://schemas.microsoft.com/office/drawing/2016/ink" Requires="p14 aink">
+        <mc:AlternateContent xmlns:mc="http://schemas.openxmlformats.org/markup-compatibility/2006" xmlns:p14="http://schemas.microsoft.com/office/powerpoint/2010/main" xmlns:aink="http://schemas.microsoft.com/office/drawing/2016/ink">
+          <mc:Choice Requires="p14 aink">
             <p:contentPart p14:bwMode="auto" r:id="rId66">
               <p14:nvContentPartPr>
                 <p14:cNvPr id="46" name="Ink 45">
@@ -19725,7 +19684,7 @@
               </p14:xfrm>
             </p:contentPart>
           </mc:Choice>
-          <mc:Fallback>
+          <mc:Fallback xmlns="">
             <p:pic>
               <p:nvPicPr>
                 <p:cNvPr id="46" name="Ink 45">
@@ -19756,8 +19715,8 @@
             </p:pic>
           </mc:Fallback>
         </mc:AlternateContent>
-        <mc:AlternateContent xmlns:mc="http://schemas.openxmlformats.org/markup-compatibility/2006">
-          <mc:Choice xmlns:p14="http://schemas.microsoft.com/office/powerpoint/2010/main" xmlns:aink="http://schemas.microsoft.com/office/drawing/2016/ink" Requires="p14 aink">
+        <mc:AlternateContent xmlns:mc="http://schemas.openxmlformats.org/markup-compatibility/2006" xmlns:p14="http://schemas.microsoft.com/office/powerpoint/2010/main" xmlns:aink="http://schemas.microsoft.com/office/drawing/2016/ink">
+          <mc:Choice Requires="p14 aink">
             <p:contentPart p14:bwMode="auto" r:id="rId68">
               <p14:nvContentPartPr>
                 <p14:cNvPr id="47" name="Ink 46">
@@ -19776,7 +19735,7 @@
               </p14:xfrm>
             </p:contentPart>
           </mc:Choice>
-          <mc:Fallback>
+          <mc:Fallback xmlns="">
             <p:pic>
               <p:nvPicPr>
                 <p:cNvPr id="47" name="Ink 46">
@@ -19807,8 +19766,8 @@
             </p:pic>
           </mc:Fallback>
         </mc:AlternateContent>
-        <mc:AlternateContent xmlns:mc="http://schemas.openxmlformats.org/markup-compatibility/2006">
-          <mc:Choice xmlns:p14="http://schemas.microsoft.com/office/powerpoint/2010/main" xmlns:aink="http://schemas.microsoft.com/office/drawing/2016/ink" Requires="p14 aink">
+        <mc:AlternateContent xmlns:mc="http://schemas.openxmlformats.org/markup-compatibility/2006" xmlns:p14="http://schemas.microsoft.com/office/powerpoint/2010/main" xmlns:aink="http://schemas.microsoft.com/office/drawing/2016/ink">
+          <mc:Choice Requires="p14 aink">
             <p:contentPart p14:bwMode="auto" r:id="rId70">
               <p14:nvContentPartPr>
                 <p14:cNvPr id="49" name="Ink 48">
@@ -19827,7 +19786,7 @@
               </p14:xfrm>
             </p:contentPart>
           </mc:Choice>
-          <mc:Fallback>
+          <mc:Fallback xmlns="">
             <p:pic>
               <p:nvPicPr>
                 <p:cNvPr id="49" name="Ink 48">
@@ -19858,8 +19817,8 @@
             </p:pic>
           </mc:Fallback>
         </mc:AlternateContent>
-        <mc:AlternateContent xmlns:mc="http://schemas.openxmlformats.org/markup-compatibility/2006">
-          <mc:Choice xmlns:p14="http://schemas.microsoft.com/office/powerpoint/2010/main" xmlns:aink="http://schemas.microsoft.com/office/drawing/2016/ink" Requires="p14 aink">
+        <mc:AlternateContent xmlns:mc="http://schemas.openxmlformats.org/markup-compatibility/2006" xmlns:p14="http://schemas.microsoft.com/office/powerpoint/2010/main" xmlns:aink="http://schemas.microsoft.com/office/drawing/2016/ink">
+          <mc:Choice Requires="p14 aink">
             <p:contentPart p14:bwMode="auto" r:id="rId72">
               <p14:nvContentPartPr>
                 <p14:cNvPr id="50" name="Ink 49">
@@ -19878,7 +19837,7 @@
               </p14:xfrm>
             </p:contentPart>
           </mc:Choice>
-          <mc:Fallback>
+          <mc:Fallback xmlns="">
             <p:pic>
               <p:nvPicPr>
                 <p:cNvPr id="50" name="Ink 49">
@@ -19909,8 +19868,8 @@
             </p:pic>
           </mc:Fallback>
         </mc:AlternateContent>
-        <mc:AlternateContent xmlns:mc="http://schemas.openxmlformats.org/markup-compatibility/2006">
-          <mc:Choice xmlns:p14="http://schemas.microsoft.com/office/powerpoint/2010/main" xmlns:aink="http://schemas.microsoft.com/office/drawing/2016/ink" Requires="p14 aink">
+        <mc:AlternateContent xmlns:mc="http://schemas.openxmlformats.org/markup-compatibility/2006" xmlns:p14="http://schemas.microsoft.com/office/powerpoint/2010/main" xmlns:aink="http://schemas.microsoft.com/office/drawing/2016/ink">
+          <mc:Choice Requires="p14 aink">
             <p:contentPart p14:bwMode="auto" r:id="rId74">
               <p14:nvContentPartPr>
                 <p14:cNvPr id="52" name="Ink 51">
@@ -19929,7 +19888,7 @@
               </p14:xfrm>
             </p:contentPart>
           </mc:Choice>
-          <mc:Fallback>
+          <mc:Fallback xmlns="">
             <p:pic>
               <p:nvPicPr>
                 <p:cNvPr id="52" name="Ink 51">
@@ -19960,8 +19919,8 @@
             </p:pic>
           </mc:Fallback>
         </mc:AlternateContent>
-        <mc:AlternateContent xmlns:mc="http://schemas.openxmlformats.org/markup-compatibility/2006">
-          <mc:Choice xmlns:p14="http://schemas.microsoft.com/office/powerpoint/2010/main" xmlns:aink="http://schemas.microsoft.com/office/drawing/2016/ink" Requires="p14 aink">
+        <mc:AlternateContent xmlns:mc="http://schemas.openxmlformats.org/markup-compatibility/2006" xmlns:p14="http://schemas.microsoft.com/office/powerpoint/2010/main" xmlns:aink="http://schemas.microsoft.com/office/drawing/2016/ink">
+          <mc:Choice Requires="p14 aink">
             <p:contentPart p14:bwMode="auto" r:id="rId76">
               <p14:nvContentPartPr>
                 <p14:cNvPr id="53" name="Ink 52">
@@ -19980,7 +19939,7 @@
               </p14:xfrm>
             </p:contentPart>
           </mc:Choice>
-          <mc:Fallback>
+          <mc:Fallback xmlns="">
             <p:pic>
               <p:nvPicPr>
                 <p:cNvPr id="53" name="Ink 52">
@@ -20011,8 +19970,8 @@
             </p:pic>
           </mc:Fallback>
         </mc:AlternateContent>
-        <mc:AlternateContent xmlns:mc="http://schemas.openxmlformats.org/markup-compatibility/2006">
-          <mc:Choice xmlns:p14="http://schemas.microsoft.com/office/powerpoint/2010/main" xmlns:aink="http://schemas.microsoft.com/office/drawing/2016/ink" Requires="p14 aink">
+        <mc:AlternateContent xmlns:mc="http://schemas.openxmlformats.org/markup-compatibility/2006" xmlns:p14="http://schemas.microsoft.com/office/powerpoint/2010/main" xmlns:aink="http://schemas.microsoft.com/office/drawing/2016/ink">
+          <mc:Choice Requires="p14 aink">
             <p:contentPart p14:bwMode="auto" r:id="rId78">
               <p14:nvContentPartPr>
                 <p14:cNvPr id="54" name="Ink 53">
@@ -20031,7 +19990,7 @@
               </p14:xfrm>
             </p:contentPart>
           </mc:Choice>
-          <mc:Fallback>
+          <mc:Fallback xmlns="">
             <p:pic>
               <p:nvPicPr>
                 <p:cNvPr id="54" name="Ink 53">
@@ -20062,8 +20021,8 @@
             </p:pic>
           </mc:Fallback>
         </mc:AlternateContent>
-        <mc:AlternateContent xmlns:mc="http://schemas.openxmlformats.org/markup-compatibility/2006">
-          <mc:Choice xmlns:p14="http://schemas.microsoft.com/office/powerpoint/2010/main" xmlns:aink="http://schemas.microsoft.com/office/drawing/2016/ink" Requires="p14 aink">
+        <mc:AlternateContent xmlns:mc="http://schemas.openxmlformats.org/markup-compatibility/2006" xmlns:p14="http://schemas.microsoft.com/office/powerpoint/2010/main" xmlns:aink="http://schemas.microsoft.com/office/drawing/2016/ink">
+          <mc:Choice Requires="p14 aink">
             <p:contentPart p14:bwMode="auto" r:id="rId80">
               <p14:nvContentPartPr>
                 <p14:cNvPr id="55" name="Ink 54">
@@ -20082,7 +20041,7 @@
               </p14:xfrm>
             </p:contentPart>
           </mc:Choice>
-          <mc:Fallback>
+          <mc:Fallback xmlns="">
             <p:pic>
               <p:nvPicPr>
                 <p:cNvPr id="55" name="Ink 54">
@@ -20113,8 +20072,8 @@
             </p:pic>
           </mc:Fallback>
         </mc:AlternateContent>
-        <mc:AlternateContent xmlns:mc="http://schemas.openxmlformats.org/markup-compatibility/2006">
-          <mc:Choice xmlns:p14="http://schemas.microsoft.com/office/powerpoint/2010/main" xmlns:aink="http://schemas.microsoft.com/office/drawing/2016/ink" Requires="p14 aink">
+        <mc:AlternateContent xmlns:mc="http://schemas.openxmlformats.org/markup-compatibility/2006" xmlns:p14="http://schemas.microsoft.com/office/powerpoint/2010/main" xmlns:aink="http://schemas.microsoft.com/office/drawing/2016/ink">
+          <mc:Choice Requires="p14 aink">
             <p:contentPart p14:bwMode="auto" r:id="rId82">
               <p14:nvContentPartPr>
                 <p14:cNvPr id="56" name="Ink 55">
@@ -20133,7 +20092,7 @@
               </p14:xfrm>
             </p:contentPart>
           </mc:Choice>
-          <mc:Fallback>
+          <mc:Fallback xmlns="">
             <p:pic>
               <p:nvPicPr>
                 <p:cNvPr id="56" name="Ink 55">
@@ -20164,8 +20123,8 @@
             </p:pic>
           </mc:Fallback>
         </mc:AlternateContent>
-        <mc:AlternateContent xmlns:mc="http://schemas.openxmlformats.org/markup-compatibility/2006">
-          <mc:Choice xmlns:p14="http://schemas.microsoft.com/office/powerpoint/2010/main" xmlns:aink="http://schemas.microsoft.com/office/drawing/2016/ink" Requires="p14 aink">
+        <mc:AlternateContent xmlns:mc="http://schemas.openxmlformats.org/markup-compatibility/2006" xmlns:p14="http://schemas.microsoft.com/office/powerpoint/2010/main" xmlns:aink="http://schemas.microsoft.com/office/drawing/2016/ink">
+          <mc:Choice Requires="p14 aink">
             <p:contentPart p14:bwMode="auto" r:id="rId84">
               <p14:nvContentPartPr>
                 <p14:cNvPr id="57" name="Ink 56">
@@ -20184,7 +20143,7 @@
               </p14:xfrm>
             </p:contentPart>
           </mc:Choice>
-          <mc:Fallback>
+          <mc:Fallback xmlns="">
             <p:pic>
               <p:nvPicPr>
                 <p:cNvPr id="57" name="Ink 56">
@@ -20215,8 +20174,8 @@
             </p:pic>
           </mc:Fallback>
         </mc:AlternateContent>
-        <mc:AlternateContent xmlns:mc="http://schemas.openxmlformats.org/markup-compatibility/2006">
-          <mc:Choice xmlns:p14="http://schemas.microsoft.com/office/powerpoint/2010/main" xmlns:aink="http://schemas.microsoft.com/office/drawing/2016/ink" Requires="p14 aink">
+        <mc:AlternateContent xmlns:mc="http://schemas.openxmlformats.org/markup-compatibility/2006" xmlns:p14="http://schemas.microsoft.com/office/powerpoint/2010/main" xmlns:aink="http://schemas.microsoft.com/office/drawing/2016/ink">
+          <mc:Choice Requires="p14 aink">
             <p:contentPart p14:bwMode="auto" r:id="rId86">
               <p14:nvContentPartPr>
                 <p14:cNvPr id="58" name="Ink 57">
@@ -20235,7 +20194,7 @@
               </p14:xfrm>
             </p:contentPart>
           </mc:Choice>
-          <mc:Fallback>
+          <mc:Fallback xmlns="">
             <p:pic>
               <p:nvPicPr>
                 <p:cNvPr id="58" name="Ink 57">
@@ -20266,8 +20225,8 @@
             </p:pic>
           </mc:Fallback>
         </mc:AlternateContent>
-        <mc:AlternateContent xmlns:mc="http://schemas.openxmlformats.org/markup-compatibility/2006">
-          <mc:Choice xmlns:p14="http://schemas.microsoft.com/office/powerpoint/2010/main" xmlns:aink="http://schemas.microsoft.com/office/drawing/2016/ink" Requires="p14 aink">
+        <mc:AlternateContent xmlns:mc="http://schemas.openxmlformats.org/markup-compatibility/2006" xmlns:p14="http://schemas.microsoft.com/office/powerpoint/2010/main" xmlns:aink="http://schemas.microsoft.com/office/drawing/2016/ink">
+          <mc:Choice Requires="p14 aink">
             <p:contentPart p14:bwMode="auto" r:id="rId88">
               <p14:nvContentPartPr>
                 <p14:cNvPr id="61" name="Ink 60">
@@ -20286,7 +20245,7 @@
               </p14:xfrm>
             </p:contentPart>
           </mc:Choice>
-          <mc:Fallback>
+          <mc:Fallback xmlns="">
             <p:pic>
               <p:nvPicPr>
                 <p:cNvPr id="61" name="Ink 60">
@@ -20317,8 +20276,8 @@
             </p:pic>
           </mc:Fallback>
         </mc:AlternateContent>
-        <mc:AlternateContent xmlns:mc="http://schemas.openxmlformats.org/markup-compatibility/2006">
-          <mc:Choice xmlns:p14="http://schemas.microsoft.com/office/powerpoint/2010/main" xmlns:aink="http://schemas.microsoft.com/office/drawing/2016/ink" Requires="p14 aink">
+        <mc:AlternateContent xmlns:mc="http://schemas.openxmlformats.org/markup-compatibility/2006" xmlns:p14="http://schemas.microsoft.com/office/powerpoint/2010/main" xmlns:aink="http://schemas.microsoft.com/office/drawing/2016/ink">
+          <mc:Choice Requires="p14 aink">
             <p:contentPart p14:bwMode="auto" r:id="rId90">
               <p14:nvContentPartPr>
                 <p14:cNvPr id="62" name="Ink 61">
@@ -20337,7 +20296,7 @@
               </p14:xfrm>
             </p:contentPart>
           </mc:Choice>
-          <mc:Fallback>
+          <mc:Fallback xmlns="">
             <p:pic>
               <p:nvPicPr>
                 <p:cNvPr id="62" name="Ink 61">
@@ -20389,8 +20348,8 @@
             <a:chExt cx="1757520" cy="499680"/>
           </a:xfrm>
         </p:grpSpPr>
-        <mc:AlternateContent xmlns:mc="http://schemas.openxmlformats.org/markup-compatibility/2006">
-          <mc:Choice xmlns:p14="http://schemas.microsoft.com/office/powerpoint/2010/main" xmlns:aink="http://schemas.microsoft.com/office/drawing/2016/ink" Requires="p14 aink">
+        <mc:AlternateContent xmlns:mc="http://schemas.openxmlformats.org/markup-compatibility/2006" xmlns:p14="http://schemas.microsoft.com/office/powerpoint/2010/main" xmlns:aink="http://schemas.microsoft.com/office/drawing/2016/ink">
+          <mc:Choice Requires="p14 aink">
             <p:contentPart p14:bwMode="auto" r:id="rId92">
               <p14:nvContentPartPr>
                 <p14:cNvPr id="64" name="Ink 63">
@@ -20409,7 +20368,7 @@
               </p14:xfrm>
             </p:contentPart>
           </mc:Choice>
-          <mc:Fallback>
+          <mc:Fallback xmlns="">
             <p:pic>
               <p:nvPicPr>
                 <p:cNvPr id="64" name="Ink 63">
@@ -20440,8 +20399,8 @@
             </p:pic>
           </mc:Fallback>
         </mc:AlternateContent>
-        <mc:AlternateContent xmlns:mc="http://schemas.openxmlformats.org/markup-compatibility/2006">
-          <mc:Choice xmlns:p14="http://schemas.microsoft.com/office/powerpoint/2010/main" xmlns:aink="http://schemas.microsoft.com/office/drawing/2016/ink" Requires="p14 aink">
+        <mc:AlternateContent xmlns:mc="http://schemas.openxmlformats.org/markup-compatibility/2006" xmlns:p14="http://schemas.microsoft.com/office/powerpoint/2010/main" xmlns:aink="http://schemas.microsoft.com/office/drawing/2016/ink">
+          <mc:Choice Requires="p14 aink">
             <p:contentPart p14:bwMode="auto" r:id="rId94">
               <p14:nvContentPartPr>
                 <p14:cNvPr id="65" name="Ink 64">
@@ -20460,7 +20419,7 @@
               </p14:xfrm>
             </p:contentPart>
           </mc:Choice>
-          <mc:Fallback>
+          <mc:Fallback xmlns="">
             <p:pic>
               <p:nvPicPr>
                 <p:cNvPr id="65" name="Ink 64">
@@ -20491,8 +20450,8 @@
             </p:pic>
           </mc:Fallback>
         </mc:AlternateContent>
-        <mc:AlternateContent xmlns:mc="http://schemas.openxmlformats.org/markup-compatibility/2006">
-          <mc:Choice xmlns:p14="http://schemas.microsoft.com/office/powerpoint/2010/main" xmlns:aink="http://schemas.microsoft.com/office/drawing/2016/ink" Requires="p14 aink">
+        <mc:AlternateContent xmlns:mc="http://schemas.openxmlformats.org/markup-compatibility/2006" xmlns:p14="http://schemas.microsoft.com/office/powerpoint/2010/main" xmlns:aink="http://schemas.microsoft.com/office/drawing/2016/ink">
+          <mc:Choice Requires="p14 aink">
             <p:contentPart p14:bwMode="auto" r:id="rId96">
               <p14:nvContentPartPr>
                 <p14:cNvPr id="66" name="Ink 65">
@@ -20511,7 +20470,7 @@
               </p14:xfrm>
             </p:contentPart>
           </mc:Choice>
-          <mc:Fallback>
+          <mc:Fallback xmlns="">
             <p:pic>
               <p:nvPicPr>
                 <p:cNvPr id="66" name="Ink 65">
@@ -20542,8 +20501,8 @@
             </p:pic>
           </mc:Fallback>
         </mc:AlternateContent>
-        <mc:AlternateContent xmlns:mc="http://schemas.openxmlformats.org/markup-compatibility/2006">
-          <mc:Choice xmlns:p14="http://schemas.microsoft.com/office/powerpoint/2010/main" xmlns:aink="http://schemas.microsoft.com/office/drawing/2016/ink" Requires="p14 aink">
+        <mc:AlternateContent xmlns:mc="http://schemas.openxmlformats.org/markup-compatibility/2006" xmlns:p14="http://schemas.microsoft.com/office/powerpoint/2010/main" xmlns:aink="http://schemas.microsoft.com/office/drawing/2016/ink">
+          <mc:Choice Requires="p14 aink">
             <p:contentPart p14:bwMode="auto" r:id="rId98">
               <p14:nvContentPartPr>
                 <p14:cNvPr id="68" name="Ink 67">
@@ -20562,7 +20521,7 @@
               </p14:xfrm>
             </p:contentPart>
           </mc:Choice>
-          <mc:Fallback>
+          <mc:Fallback xmlns="">
             <p:pic>
               <p:nvPicPr>
                 <p:cNvPr id="68" name="Ink 67">
@@ -20593,8 +20552,8 @@
             </p:pic>
           </mc:Fallback>
         </mc:AlternateContent>
-        <mc:AlternateContent xmlns:mc="http://schemas.openxmlformats.org/markup-compatibility/2006">
-          <mc:Choice xmlns:p14="http://schemas.microsoft.com/office/powerpoint/2010/main" xmlns:aink="http://schemas.microsoft.com/office/drawing/2016/ink" Requires="p14 aink">
+        <mc:AlternateContent xmlns:mc="http://schemas.openxmlformats.org/markup-compatibility/2006" xmlns:p14="http://schemas.microsoft.com/office/powerpoint/2010/main" xmlns:aink="http://schemas.microsoft.com/office/drawing/2016/ink">
+          <mc:Choice Requires="p14 aink">
             <p:contentPart p14:bwMode="auto" r:id="rId100">
               <p14:nvContentPartPr>
                 <p14:cNvPr id="69" name="Ink 68">
@@ -20613,7 +20572,7 @@
               </p14:xfrm>
             </p:contentPart>
           </mc:Choice>
-          <mc:Fallback>
+          <mc:Fallback xmlns="">
             <p:pic>
               <p:nvPicPr>
                 <p:cNvPr id="69" name="Ink 68">
@@ -20644,8 +20603,8 @@
             </p:pic>
           </mc:Fallback>
         </mc:AlternateContent>
-        <mc:AlternateContent xmlns:mc="http://schemas.openxmlformats.org/markup-compatibility/2006">
-          <mc:Choice xmlns:p14="http://schemas.microsoft.com/office/powerpoint/2010/main" xmlns:aink="http://schemas.microsoft.com/office/drawing/2016/ink" Requires="p14 aink">
+        <mc:AlternateContent xmlns:mc="http://schemas.openxmlformats.org/markup-compatibility/2006" xmlns:p14="http://schemas.microsoft.com/office/powerpoint/2010/main" xmlns:aink="http://schemas.microsoft.com/office/drawing/2016/ink">
+          <mc:Choice Requires="p14 aink">
             <p:contentPart p14:bwMode="auto" r:id="rId102">
               <p14:nvContentPartPr>
                 <p14:cNvPr id="70" name="Ink 69">
@@ -20664,7 +20623,7 @@
               </p14:xfrm>
             </p:contentPart>
           </mc:Choice>
-          <mc:Fallback>
+          <mc:Fallback xmlns="">
             <p:pic>
               <p:nvPicPr>
                 <p:cNvPr id="70" name="Ink 69">
@@ -20695,8 +20654,8 @@
             </p:pic>
           </mc:Fallback>
         </mc:AlternateContent>
-        <mc:AlternateContent xmlns:mc="http://schemas.openxmlformats.org/markup-compatibility/2006">
-          <mc:Choice xmlns:p14="http://schemas.microsoft.com/office/powerpoint/2010/main" xmlns:aink="http://schemas.microsoft.com/office/drawing/2016/ink" Requires="p14 aink">
+        <mc:AlternateContent xmlns:mc="http://schemas.openxmlformats.org/markup-compatibility/2006" xmlns:p14="http://schemas.microsoft.com/office/powerpoint/2010/main" xmlns:aink="http://schemas.microsoft.com/office/drawing/2016/ink">
+          <mc:Choice Requires="p14 aink">
             <p:contentPart p14:bwMode="auto" r:id="rId104">
               <p14:nvContentPartPr>
                 <p14:cNvPr id="72" name="Ink 71">
@@ -20715,7 +20674,7 @@
               </p14:xfrm>
             </p:contentPart>
           </mc:Choice>
-          <mc:Fallback>
+          <mc:Fallback xmlns="">
             <p:pic>
               <p:nvPicPr>
                 <p:cNvPr id="72" name="Ink 71">
